--- a/WGP/E-Commerce.pptx
+++ b/WGP/E-Commerce.pptx
@@ -9,8 +9,11 @@
     <p:sldId id="257" r:id="rId3"/>
     <p:sldId id="260" r:id="rId4"/>
     <p:sldId id="261" r:id="rId5"/>
-    <p:sldId id="258" r:id="rId6"/>
-    <p:sldId id="259" r:id="rId7"/>
+    <p:sldId id="262" r:id="rId6"/>
+    <p:sldId id="263" r:id="rId7"/>
+    <p:sldId id="264" r:id="rId8"/>
+    <p:sldId id="258" r:id="rId9"/>
+    <p:sldId id="259" r:id="rId10"/>
   </p:sldIdLst>
   <p:sldSz cx="12192000" cy="6858000"/>
   <p:notesSz cx="6858000" cy="9144000"/>
@@ -109,6 +112,11 @@
       </a:defRPr>
     </a:lvl9pPr>
   </p:defaultTextStyle>
+  <p:extLst>
+    <p:ext uri="{EFAFB233-063F-42B5-8137-9DF3F51BA10A}">
+      <p15:sldGuideLst xmlns:p15="http://schemas.microsoft.com/office/powerpoint/2012/main"/>
+    </p:ext>
+  </p:extLst>
 </p:presentation>
 </file>
 
@@ -297,7 +305,7 @@
           <a:p>
             <a:fld id="{7DC92307-D071-478B-A336-A0DC7BA92F3A}" type="datetimeFigureOut">
               <a:rPr lang="de-DE" smtClean="0"/>
-              <a:t>13.05.2019</a:t>
+              <a:t>20.05.2019</a:t>
             </a:fld>
             <a:endParaRPr lang="de-DE"/>
           </a:p>
@@ -595,7 +603,7 @@
           <a:p>
             <a:fld id="{7DC92307-D071-478B-A336-A0DC7BA92F3A}" type="datetimeFigureOut">
               <a:rPr lang="de-DE" smtClean="0"/>
-              <a:t>13.05.2019</a:t>
+              <a:t>20.05.2019</a:t>
             </a:fld>
             <a:endParaRPr lang="de-DE"/>
           </a:p>
@@ -787,7 +795,7 @@
           <a:p>
             <a:fld id="{7DC92307-D071-478B-A336-A0DC7BA92F3A}" type="datetimeFigureOut">
               <a:rPr lang="de-DE" smtClean="0"/>
-              <a:t>13.05.2019</a:t>
+              <a:t>20.05.2019</a:t>
             </a:fld>
             <a:endParaRPr lang="de-DE"/>
           </a:p>
@@ -1048,7 +1056,7 @@
           <a:p>
             <a:fld id="{7DC92307-D071-478B-A336-A0DC7BA92F3A}" type="datetimeFigureOut">
               <a:rPr lang="de-DE" smtClean="0"/>
-              <a:t>13.05.2019</a:t>
+              <a:t>20.05.2019</a:t>
             </a:fld>
             <a:endParaRPr lang="de-DE"/>
           </a:p>
@@ -1472,7 +1480,7 @@
           <a:p>
             <a:fld id="{7DC92307-D071-478B-A336-A0DC7BA92F3A}" type="datetimeFigureOut">
               <a:rPr lang="de-DE" smtClean="0"/>
-              <a:t>13.05.2019</a:t>
+              <a:t>20.05.2019</a:t>
             </a:fld>
             <a:endParaRPr lang="de-DE"/>
           </a:p>
@@ -2009,7 +2017,7 @@
           <a:p>
             <a:fld id="{7DC92307-D071-478B-A336-A0DC7BA92F3A}" type="datetimeFigureOut">
               <a:rPr lang="de-DE" smtClean="0"/>
-              <a:t>13.05.2019</a:t>
+              <a:t>20.05.2019</a:t>
             </a:fld>
             <a:endParaRPr lang="de-DE"/>
           </a:p>
@@ -2873,7 +2881,7 @@
           <a:p>
             <a:fld id="{7DC92307-D071-478B-A336-A0DC7BA92F3A}" type="datetimeFigureOut">
               <a:rPr lang="de-DE" smtClean="0"/>
-              <a:t>13.05.2019</a:t>
+              <a:t>20.05.2019</a:t>
             </a:fld>
             <a:endParaRPr lang="de-DE"/>
           </a:p>
@@ -3043,7 +3051,7 @@
           <a:p>
             <a:fld id="{7DC92307-D071-478B-A336-A0DC7BA92F3A}" type="datetimeFigureOut">
               <a:rPr lang="de-DE" smtClean="0"/>
-              <a:t>13.05.2019</a:t>
+              <a:t>20.05.2019</a:t>
             </a:fld>
             <a:endParaRPr lang="de-DE"/>
           </a:p>
@@ -3227,7 +3235,7 @@
           <a:p>
             <a:fld id="{7DC92307-D071-478B-A336-A0DC7BA92F3A}" type="datetimeFigureOut">
               <a:rPr lang="de-DE" smtClean="0"/>
-              <a:t>13.05.2019</a:t>
+              <a:t>20.05.2019</a:t>
             </a:fld>
             <a:endParaRPr lang="de-DE"/>
           </a:p>
@@ -3397,7 +3405,7 @@
           <a:p>
             <a:fld id="{7DC92307-D071-478B-A336-A0DC7BA92F3A}" type="datetimeFigureOut">
               <a:rPr lang="de-DE" smtClean="0"/>
-              <a:t>13.05.2019</a:t>
+              <a:t>20.05.2019</a:t>
             </a:fld>
             <a:endParaRPr lang="de-DE"/>
           </a:p>
@@ -3641,7 +3649,7 @@
           <a:p>
             <a:fld id="{7DC92307-D071-478B-A336-A0DC7BA92F3A}" type="datetimeFigureOut">
               <a:rPr lang="de-DE" smtClean="0"/>
-              <a:t>13.05.2019</a:t>
+              <a:t>20.05.2019</a:t>
             </a:fld>
             <a:endParaRPr lang="de-DE"/>
           </a:p>
@@ -3877,7 +3885,7 @@
           <a:p>
             <a:fld id="{7DC92307-D071-478B-A336-A0DC7BA92F3A}" type="datetimeFigureOut">
               <a:rPr lang="de-DE" smtClean="0"/>
-              <a:t>13.05.2019</a:t>
+              <a:t>20.05.2019</a:t>
             </a:fld>
             <a:endParaRPr lang="de-DE"/>
           </a:p>
@@ -4348,7 +4356,7 @@
           <a:p>
             <a:fld id="{7DC92307-D071-478B-A336-A0DC7BA92F3A}" type="datetimeFigureOut">
               <a:rPr lang="de-DE" smtClean="0"/>
-              <a:t>13.05.2019</a:t>
+              <a:t>20.05.2019</a:t>
             </a:fld>
             <a:endParaRPr lang="de-DE"/>
           </a:p>
@@ -4471,7 +4479,7 @@
           <a:p>
             <a:fld id="{7DC92307-D071-478B-A336-A0DC7BA92F3A}" type="datetimeFigureOut">
               <a:rPr lang="de-DE" smtClean="0"/>
-              <a:t>13.05.2019</a:t>
+              <a:t>20.05.2019</a:t>
             </a:fld>
             <a:endParaRPr lang="de-DE"/>
           </a:p>
@@ -4566,7 +4574,7 @@
           <a:p>
             <a:fld id="{7DC92307-D071-478B-A336-A0DC7BA92F3A}" type="datetimeFigureOut">
               <a:rPr lang="de-DE" smtClean="0"/>
-              <a:t>13.05.2019</a:t>
+              <a:t>20.05.2019</a:t>
             </a:fld>
             <a:endParaRPr lang="de-DE"/>
           </a:p>
@@ -4821,7 +4829,7 @@
           <a:p>
             <a:fld id="{7DC92307-D071-478B-A336-A0DC7BA92F3A}" type="datetimeFigureOut">
               <a:rPr lang="de-DE" smtClean="0"/>
-              <a:t>13.05.2019</a:t>
+              <a:t>20.05.2019</a:t>
             </a:fld>
             <a:endParaRPr lang="de-DE"/>
           </a:p>
@@ -5126,7 +5134,7 @@
           <a:p>
             <a:fld id="{7DC92307-D071-478B-A336-A0DC7BA92F3A}" type="datetimeFigureOut">
               <a:rPr lang="de-DE" smtClean="0"/>
-              <a:t>13.05.2019</a:t>
+              <a:t>20.05.2019</a:t>
             </a:fld>
             <a:endParaRPr lang="de-DE"/>
           </a:p>
@@ -5360,7 +5368,7 @@
           <a:p>
             <a:fld id="{7DC92307-D071-478B-A336-A0DC7BA92F3A}" type="datetimeFigureOut">
               <a:rPr lang="de-DE" smtClean="0"/>
-              <a:t>13.05.2019</a:t>
+              <a:t>20.05.2019</a:t>
             </a:fld>
             <a:endParaRPr lang="de-DE"/>
           </a:p>
@@ -6041,32 +6049,159 @@
       </p:grpSpPr>
       <p:sp>
         <p:nvSpPr>
-          <p:cNvPr id="2" name="Titel 1"/>
-          <p:cNvSpPr>
-            <a:spLocks noGrp="1"/>
-          </p:cNvSpPr>
-          <p:nvPr>
-            <p:ph type="ctrTitle"/>
-          </p:nvPr>
+          <p:cNvPr id="3" name="Titel 1"/>
+          <p:cNvSpPr txBox="1">
+            <a:spLocks/>
+          </p:cNvSpPr>
+          <p:nvPr/>
         </p:nvSpPr>
         <p:spPr>
           <a:xfrm>
-            <a:off x="1370693" y="1778871"/>
+            <a:off x="981917" y="4058651"/>
             <a:ext cx="9440034" cy="1828801"/>
           </a:xfrm>
+          <a:prstGeom prst="rect">
+            <a:avLst/>
+          </a:prstGeom>
+          <a:effectLst>
+            <a:outerShdw blurRad="25400" dir="17880000">
+              <a:srgbClr val="000000">
+                <a:alpha val="46000"/>
+              </a:srgbClr>
+            </a:outerShdw>
+          </a:effectLst>
         </p:spPr>
         <p:txBody>
-          <a:bodyPr/>
-          <a:lstStyle/>
-          <a:p>
-            <a:r>
-              <a:rPr lang="de-DE" dirty="0" smtClean="0"/>
-              <a:t>E-Commerce</a:t>
-            </a:r>
-            <a:endParaRPr lang="de-DE" dirty="0"/>
-          </a:p>
-        </p:txBody>
-      </p:sp>
+          <a:bodyPr vert="horz" lIns="91440" tIns="45720" rIns="91440" bIns="45720" rtlCol="0" anchor="b">
+            <a:normAutofit/>
+          </a:bodyPr>
+          <a:lstStyle>
+            <a:lvl1pPr algn="ctr" defTabSz="457200" rtl="0" eaLnBrk="1" latinLnBrk="0" hangingPunct="1">
+              <a:spcBef>
+                <a:spcPct val="0"/>
+              </a:spcBef>
+              <a:buNone/>
+              <a:defRPr sz="5400" kern="1200">
+                <a:ln>
+                  <a:solidFill>
+                    <a:schemeClr val="bg1">
+                      <a:lumMod val="75000"/>
+                      <a:lumOff val="25000"/>
+                      <a:alpha val="10000"/>
+                    </a:schemeClr>
+                  </a:solidFill>
+                </a:ln>
+                <a:solidFill>
+                  <a:schemeClr val="tx2"/>
+                </a:solidFill>
+                <a:effectLst>
+                  <a:outerShdw blurRad="9525" dist="25400" dir="14640000" algn="tl" rotWithShape="0">
+                    <a:schemeClr val="bg1">
+                      <a:alpha val="30000"/>
+                    </a:schemeClr>
+                  </a:outerShdw>
+                </a:effectLst>
+                <a:latin typeface="+mj-lt"/>
+                <a:ea typeface="+mj-ea"/>
+                <a:cs typeface="Trebuchet MS"/>
+              </a:defRPr>
+            </a:lvl1pPr>
+            <a:lvl2pPr eaLnBrk="1" hangingPunct="1">
+              <a:defRPr>
+                <a:solidFill>
+                  <a:schemeClr val="tx2"/>
+                </a:solidFill>
+              </a:defRPr>
+            </a:lvl2pPr>
+            <a:lvl3pPr eaLnBrk="1" hangingPunct="1">
+              <a:defRPr>
+                <a:solidFill>
+                  <a:schemeClr val="tx2"/>
+                </a:solidFill>
+              </a:defRPr>
+            </a:lvl3pPr>
+            <a:lvl4pPr eaLnBrk="1" hangingPunct="1">
+              <a:defRPr>
+                <a:solidFill>
+                  <a:schemeClr val="tx2"/>
+                </a:solidFill>
+              </a:defRPr>
+            </a:lvl4pPr>
+            <a:lvl5pPr eaLnBrk="1" hangingPunct="1">
+              <a:defRPr>
+                <a:solidFill>
+                  <a:schemeClr val="tx2"/>
+                </a:solidFill>
+              </a:defRPr>
+            </a:lvl5pPr>
+            <a:lvl6pPr eaLnBrk="1" hangingPunct="1">
+              <a:defRPr>
+                <a:solidFill>
+                  <a:schemeClr val="tx2"/>
+                </a:solidFill>
+              </a:defRPr>
+            </a:lvl6pPr>
+            <a:lvl7pPr eaLnBrk="1" hangingPunct="1">
+              <a:defRPr>
+                <a:solidFill>
+                  <a:schemeClr val="tx2"/>
+                </a:solidFill>
+              </a:defRPr>
+            </a:lvl7pPr>
+            <a:lvl8pPr eaLnBrk="1" hangingPunct="1">
+              <a:defRPr>
+                <a:solidFill>
+                  <a:schemeClr val="tx2"/>
+                </a:solidFill>
+              </a:defRPr>
+            </a:lvl8pPr>
+            <a:lvl9pPr eaLnBrk="1" hangingPunct="1">
+              <a:defRPr>
+                <a:solidFill>
+                  <a:schemeClr val="tx2"/>
+                </a:solidFill>
+              </a:defRPr>
+            </a:lvl9pPr>
+          </a:lstStyle>
+          <a:p>
+            <a:r>
+              <a:rPr lang="de-DE" sz="1100" dirty="0" smtClean="0"/>
+              <a:t>Von Leon, Niklas, Max</a:t>
+            </a:r>
+            <a:endParaRPr lang="de-DE" sz="1100" dirty="0"/>
+          </a:p>
+        </p:txBody>
+      </p:sp>
+      <p:pic>
+        <p:nvPicPr>
+          <p:cNvPr id="6" name="Grafik 5"/>
+          <p:cNvPicPr>
+            <a:picLocks noChangeAspect="1"/>
+          </p:cNvPicPr>
+          <p:nvPr/>
+        </p:nvPicPr>
+        <p:blipFill>
+          <a:blip r:embed="rId2">
+            <a:extLst>
+              <a:ext uri="{28A0092B-C50C-407E-A947-70E740481C1C}">
+                <a14:useLocalDpi xmlns:a14="http://schemas.microsoft.com/office/drawing/2010/main" val="0"/>
+              </a:ext>
+            </a:extLst>
+          </a:blip>
+          <a:stretch>
+            <a:fillRect/>
+          </a:stretch>
+        </p:blipFill>
+        <p:spPr>
+          <a:xfrm>
+            <a:off x="-15259" y="839755"/>
+            <a:ext cx="12207259" cy="3965510"/>
+          </a:xfrm>
+          <a:prstGeom prst="rect">
+            <a:avLst/>
+          </a:prstGeom>
+        </p:spPr>
+      </p:pic>
     </p:spTree>
     <p:extLst>
       <p:ext uri="{BB962C8B-B14F-4D97-AF65-F5344CB8AC3E}">
@@ -6142,25 +6277,70 @@
           <a:bodyPr/>
           <a:lstStyle/>
           <a:p>
+            <a:pPr marL="494100" indent="-457200">
+              <a:buFont typeface="+mj-lt"/>
+              <a:buAutoNum type="arabicParenBoth"/>
+            </a:pPr>
             <a:r>
               <a:rPr lang="de-DE" dirty="0" smtClean="0"/>
-              <a:t>Definition</a:t>
-            </a:r>
-          </a:p>
-          <a:p>
-            <a:r>
-              <a:rPr lang="de-DE" dirty="0" err="1" smtClean="0"/>
-              <a:t>MindMap</a:t>
+              <a:t>Definition……………………………………………………………………………………......</a:t>
             </a:r>
             <a:endParaRPr lang="de-DE" dirty="0" smtClean="0"/>
           </a:p>
           <a:p>
+            <a:pPr marL="494100" indent="-457200">
+              <a:buFont typeface="+mj-lt"/>
+              <a:buAutoNum type="arabicParenBoth"/>
+            </a:pPr>
+            <a:r>
+              <a:rPr lang="de-DE" dirty="0" smtClean="0"/>
+              <a:t>Übersicht.</a:t>
+            </a:r>
+            <a:r>
+              <a:rPr lang="de-DE" dirty="0" smtClean="0"/>
+              <a:t>………………………………………………………………………………………..</a:t>
+            </a:r>
             <a:endParaRPr lang="de-DE" dirty="0" smtClean="0"/>
           </a:p>
           <a:p>
+            <a:pPr marL="494100" indent="-457200">
+              <a:buFont typeface="+mj-lt"/>
+              <a:buAutoNum type="arabicParenBoth"/>
+            </a:pPr>
             <a:r>
               <a:rPr lang="de-DE" dirty="0" smtClean="0"/>
-              <a:t>Literaturverzeichnis</a:t>
+              <a:t>Rechtliche Grundlagen………………………………………………………………………….</a:t>
+            </a:r>
+          </a:p>
+          <a:p>
+            <a:pPr marL="871200" lvl="1" indent="-457200">
+              <a:buFont typeface="+mj-lt"/>
+              <a:buAutoNum type="arabicParenBoth"/>
+            </a:pPr>
+            <a:r>
+              <a:rPr lang="de-DE" dirty="0" smtClean="0"/>
+              <a:t>Gesetze</a:t>
+            </a:r>
+          </a:p>
+          <a:p>
+            <a:pPr marL="871200" lvl="1" indent="-457200">
+              <a:buFont typeface="+mj-lt"/>
+              <a:buAutoNum type="arabicParenBoth"/>
+            </a:pPr>
+            <a:r>
+              <a:rPr lang="de-DE" dirty="0" smtClean="0"/>
+              <a:t>Beispiel</a:t>
+            </a:r>
+            <a:endParaRPr lang="de-DE" dirty="0" smtClean="0"/>
+          </a:p>
+          <a:p>
+            <a:pPr marL="494100" indent="-457200">
+              <a:buFont typeface="+mj-lt"/>
+              <a:buAutoNum type="arabicParenBoth"/>
+            </a:pPr>
+            <a:r>
+              <a:rPr lang="de-DE" dirty="0" smtClean="0"/>
+              <a:t>Literaturverzeichnis……………………………………………………………………………..</a:t>
             </a:r>
             <a:endParaRPr lang="de-DE" dirty="0"/>
           </a:p>
@@ -6246,7 +6426,39 @@
           <a:bodyPr/>
           <a:lstStyle/>
           <a:p>
-            <a:endParaRPr lang="de-DE"/>
+            <a:pPr marL="36900" indent="0">
+              <a:buNone/>
+            </a:pPr>
+            <a:r>
+              <a:rPr lang="de-DE" dirty="0" smtClean="0"/>
+              <a:t>Electronic Commerce, elektronische Geschäftsabwicklung</a:t>
+            </a:r>
+            <a:r>
+              <a:rPr lang="de-DE" dirty="0" smtClean="0"/>
+              <a:t>:</a:t>
+            </a:r>
+          </a:p>
+          <a:p>
+            <a:pPr marL="36900" indent="0">
+              <a:buNone/>
+            </a:pPr>
+            <a:r>
+              <a:rPr lang="de-DE" dirty="0" smtClean="0"/>
+              <a:t>Umfasst den Kauf und Verkauf von Waren und </a:t>
+            </a:r>
+            <a:r>
+              <a:rPr lang="de-DE" dirty="0"/>
+              <a:t>L</a:t>
+            </a:r>
+            <a:r>
+              <a:rPr lang="de-DE" dirty="0" smtClean="0"/>
+              <a:t>eistungen</a:t>
+            </a:r>
+            <a:r>
+              <a:rPr lang="de-DE" dirty="0" smtClean="0"/>
+              <a:t> über elektronische Verbindungen</a:t>
+            </a:r>
+            <a:endParaRPr lang="de-DE" dirty="0"/>
           </a:p>
         </p:txBody>
       </p:sp>
@@ -6305,8 +6517,8 @@
           <a:lstStyle/>
           <a:p>
             <a:r>
-              <a:rPr lang="de-DE" dirty="0" err="1" smtClean="0"/>
-              <a:t>MindMap</a:t>
+              <a:rPr lang="de-DE" dirty="0" smtClean="0"/>
+              <a:t>Übersicht</a:t>
             </a:r>
             <a:r>
               <a:rPr lang="de-DE" dirty="0" smtClean="0"/>
@@ -6398,17 +6610,18 @@
         <p:spPr/>
         <p:txBody>
           <a:bodyPr>
-            <a:normAutofit fontScale="90000"/>
+            <a:normAutofit/>
           </a:bodyPr>
           <a:lstStyle/>
           <a:p>
             <a:r>
+              <a:rPr lang="de-DE" dirty="0"/>
+              <a:t>Rechtliche </a:t>
+            </a:r>
+            <a:r>
               <a:rPr lang="de-DE" dirty="0" smtClean="0"/>
-              <a:t>Literaturverzeichnis</a:t>
-            </a:r>
-            <a:br>
-              <a:rPr lang="de-DE" dirty="0" smtClean="0"/>
-            </a:br>
+              <a:t>Grundlagen</a:t>
+            </a:r>
             <a:endParaRPr lang="de-DE" dirty="0"/>
           </a:p>
         </p:txBody>
@@ -6432,18 +6645,78 @@
               <a:rPr lang="de-DE" dirty="0">
                 <a:effectLst/>
               </a:rPr>
-              <a:t>https://www.starting-up.de/recht/internetrecht/das-rechtliche-1-mal-1-des-e-commerce.html</a:t>
-            </a:r>
-          </a:p>
-          <a:p>
-            <a:endParaRPr lang="de-DE" dirty="0"/>
+              <a:t>Telemediengesetz (TMG): Anbieterkennzeichnung, Impressumspflicht</a:t>
+            </a:r>
+          </a:p>
+          <a:p>
+            <a:endParaRPr lang="de-DE" dirty="0">
+              <a:effectLst/>
+            </a:endParaRPr>
+          </a:p>
+          <a:p>
+            <a:r>
+              <a:rPr lang="de-DE" dirty="0">
+                <a:effectLst/>
+              </a:rPr>
+              <a:t>E-Commerce- und Fernabsatzrecht des Bürgerlichen Gesetzbuchs (§§ 312 b ff. BGB):</a:t>
+            </a:r>
+            <a:br>
+              <a:rPr lang="de-DE" dirty="0">
+                <a:effectLst/>
+              </a:rPr>
+            </a:br>
+            <a:r>
+              <a:rPr lang="de-DE" dirty="0">
+                <a:effectLst/>
+              </a:rPr>
+              <a:t>Fernabsatzverträge (Vertragsschließung im Onlinehandel)</a:t>
+            </a:r>
+          </a:p>
+          <a:p>
+            <a:endParaRPr lang="de-DE" dirty="0">
+              <a:effectLst/>
+            </a:endParaRPr>
+          </a:p>
+          <a:p>
+            <a:r>
+              <a:rPr lang="de-DE" dirty="0" smtClean="0">
+                <a:effectLst/>
+              </a:rPr>
+              <a:t>Vertrauensdienstgesetz</a:t>
+            </a:r>
+            <a:r>
+              <a:rPr lang="de-DE" dirty="0">
+                <a:effectLst/>
+              </a:rPr>
+              <a:t> (VDG):</a:t>
+            </a:r>
+            <a:br>
+              <a:rPr lang="de-DE" dirty="0">
+                <a:effectLst/>
+              </a:rPr>
+            </a:br>
+            <a:r>
+              <a:rPr lang="de-DE" dirty="0">
+                <a:effectLst/>
+              </a:rPr>
+              <a:t>Rahmenbedingungen für digitale </a:t>
+            </a:r>
+            <a:r>
+              <a:rPr lang="de-DE" dirty="0" smtClean="0">
+                <a:effectLst/>
+              </a:rPr>
+              <a:t>Signaturen</a:t>
+            </a:r>
+            <a:endParaRPr lang="de-DE" dirty="0">
+              <a:effectLst/>
+            </a:endParaRPr>
           </a:p>
         </p:txBody>
       </p:sp>
     </p:spTree>
     <p:extLst>
       <p:ext uri="{BB962C8B-B14F-4D97-AF65-F5344CB8AC3E}">
-        <p14:creationId xmlns:p14="http://schemas.microsoft.com/office/powerpoint/2010/main" val="401530529"/>
+        <p14:creationId xmlns:p14="http://schemas.microsoft.com/office/powerpoint/2010/main" val="2045640211"/>
       </p:ext>
     </p:extLst>
   </p:cSld>
@@ -6493,60 +6766,541 @@
           <a:lstStyle/>
           <a:p>
             <a:r>
+              <a:rPr lang="de-DE" dirty="0"/>
+              <a:t>Rechtliche Grundlagen</a:t>
+            </a:r>
+          </a:p>
+        </p:txBody>
+      </p:sp>
+      <p:sp>
+        <p:nvSpPr>
+          <p:cNvPr id="3" name="Inhaltsplatzhalter 2"/>
+          <p:cNvSpPr>
+            <a:spLocks noGrp="1"/>
+          </p:cNvSpPr>
+          <p:nvPr>
+            <p:ph idx="1"/>
+          </p:nvPr>
+        </p:nvSpPr>
+        <p:spPr/>
+        <p:txBody>
+          <a:bodyPr>
+            <a:normAutofit/>
+          </a:bodyPr>
+          <a:lstStyle/>
+          <a:p>
+            <a:r>
+              <a:rPr lang="de-DE" dirty="0" err="1" smtClean="0">
+                <a:effectLst/>
+              </a:rPr>
+              <a:t>Preisangabenverordnung</a:t>
+            </a:r>
+            <a:r>
+              <a:rPr lang="de-DE" dirty="0" smtClean="0">
+                <a:effectLst/>
+              </a:rPr>
+              <a:t> </a:t>
+            </a:r>
+            <a:r>
+              <a:rPr lang="de-DE" dirty="0">
+                <a:effectLst/>
+              </a:rPr>
+              <a:t>(PAngV)  </a:t>
+            </a:r>
+            <a:br>
+              <a:rPr lang="de-DE" dirty="0">
+                <a:effectLst/>
+              </a:rPr>
+            </a:br>
+            <a:r>
+              <a:rPr lang="de-DE" dirty="0">
+                <a:effectLst/>
+              </a:rPr>
+              <a:t>Verbraucherschutz durch Preistransparenz</a:t>
+            </a:r>
+          </a:p>
+          <a:p>
+            <a:endParaRPr lang="de-DE" dirty="0">
+              <a:effectLst/>
+            </a:endParaRPr>
+          </a:p>
+          <a:p>
+            <a:r>
+              <a:rPr lang="de-DE" dirty="0">
+                <a:effectLst/>
+              </a:rPr>
+              <a:t>Urheberrechtsgesetz: Schutz von Geisteswerken (Sprach- Schriftwerken, etc.)</a:t>
+            </a:r>
+          </a:p>
+          <a:p>
+            <a:endParaRPr lang="de-DE" dirty="0">
+              <a:effectLst/>
+            </a:endParaRPr>
+          </a:p>
+          <a:p>
+            <a:r>
+              <a:rPr lang="de-DE" dirty="0">
+                <a:effectLst/>
+              </a:rPr>
+              <a:t>Bundesdatenschutzgesetz: Schutz von </a:t>
+            </a:r>
+            <a:r>
+              <a:rPr lang="de-DE" dirty="0" err="1">
+                <a:effectLst/>
+              </a:rPr>
+              <a:t>personen</a:t>
+            </a:r>
+            <a:r>
+              <a:rPr lang="de-DE" dirty="0">
+                <a:effectLst/>
+              </a:rPr>
+              <a:t> bezogener Daten</a:t>
+            </a:r>
+          </a:p>
+          <a:p>
+            <a:endParaRPr lang="de-DE" dirty="0">
+              <a:effectLst/>
+            </a:endParaRPr>
+          </a:p>
+          <a:p>
+            <a:r>
+              <a:rPr lang="de-DE" dirty="0" smtClean="0">
+                <a:effectLst/>
+              </a:rPr>
+              <a:t>Dienstleistungs-Informationspflichten-Verordnung </a:t>
+            </a:r>
+            <a:r>
+              <a:rPr lang="de-DE" dirty="0">
+                <a:effectLst/>
+              </a:rPr>
+              <a:t>(DL-</a:t>
+            </a:r>
+            <a:r>
+              <a:rPr lang="de-DE" dirty="0" err="1">
+                <a:effectLst/>
+              </a:rPr>
+              <a:t>InfoV</a:t>
+            </a:r>
+            <a:r>
+              <a:rPr lang="de-DE" dirty="0">
+                <a:effectLst/>
+              </a:rPr>
+              <a:t>): </a:t>
+            </a:r>
+            <a:r>
+              <a:rPr lang="de-DE" dirty="0" smtClean="0">
+                <a:effectLst/>
+              </a:rPr>
+              <a:t>Informationspflichten </a:t>
+            </a:r>
+            <a:r>
+              <a:rPr lang="de-DE" dirty="0">
+                <a:effectLst/>
+              </a:rPr>
+              <a:t>von Dienstleistungserbringern</a:t>
+            </a:r>
+          </a:p>
+          <a:p>
+            <a:endParaRPr lang="de-DE" dirty="0"/>
+          </a:p>
+        </p:txBody>
+      </p:sp>
+    </p:spTree>
+    <p:extLst>
+      <p:ext uri="{BB962C8B-B14F-4D97-AF65-F5344CB8AC3E}">
+        <p14:creationId xmlns:p14="http://schemas.microsoft.com/office/powerpoint/2010/main" val="2556415430"/>
+      </p:ext>
+    </p:extLst>
+  </p:cSld>
+  <p:clrMapOvr>
+    <a:masterClrMapping/>
+  </p:clrMapOvr>
+  <p:timing>
+    <p:tnLst>
+      <p:par>
+        <p:cTn id="1" dur="indefinite" restart="never" nodeType="tmRoot"/>
+      </p:par>
+    </p:tnLst>
+  </p:timing>
+</p:sld>
+</file>
+
+<file path=ppt/slides/slide7.xml><?xml version="1.0" encoding="utf-8"?>
+<p:sld xmlns:a="http://schemas.openxmlformats.org/drawingml/2006/main" xmlns:r="http://schemas.openxmlformats.org/officeDocument/2006/relationships" xmlns:p="http://schemas.openxmlformats.org/presentationml/2006/main">
+  <p:cSld>
+    <p:spTree>
+      <p:nvGrpSpPr>
+        <p:cNvPr id="1" name=""/>
+        <p:cNvGrpSpPr/>
+        <p:nvPr/>
+      </p:nvGrpSpPr>
+      <p:grpSpPr>
+        <a:xfrm>
+          <a:off x="0" y="0"/>
+          <a:ext cx="0" cy="0"/>
+          <a:chOff x="0" y="0"/>
+          <a:chExt cx="0" cy="0"/>
+        </a:xfrm>
+      </p:grpSpPr>
+      <p:sp>
+        <p:nvSpPr>
+          <p:cNvPr id="2" name="Titel 1"/>
+          <p:cNvSpPr>
+            <a:spLocks noGrp="1"/>
+          </p:cNvSpPr>
+          <p:nvPr>
+            <p:ph type="title"/>
+          </p:nvPr>
+        </p:nvSpPr>
+        <p:spPr/>
+        <p:txBody>
+          <a:bodyPr/>
+          <a:lstStyle/>
+          <a:p>
+            <a:r>
+              <a:rPr lang="de-DE" dirty="0" smtClean="0"/>
+              <a:t>Rechtliche Grundlage Beispiel</a:t>
+            </a:r>
+            <a:endParaRPr lang="de-DE" dirty="0"/>
+          </a:p>
+        </p:txBody>
+      </p:sp>
+      <p:sp>
+        <p:nvSpPr>
+          <p:cNvPr id="3" name="Inhaltsplatzhalter 2"/>
+          <p:cNvSpPr>
+            <a:spLocks noGrp="1"/>
+          </p:cNvSpPr>
+          <p:nvPr>
+            <p:ph idx="1"/>
+          </p:nvPr>
+        </p:nvSpPr>
+        <p:spPr>
+          <a:xfrm>
+            <a:off x="913795" y="1704456"/>
+            <a:ext cx="10353762" cy="4058751"/>
+          </a:xfrm>
+        </p:spPr>
+        <p:txBody>
+          <a:bodyPr/>
+          <a:lstStyle/>
+          <a:p>
+            <a:pPr marL="36900" indent="0">
+              <a:buNone/>
+            </a:pPr>
+            <a:r>
+              <a:rPr lang="de-DE" dirty="0" smtClean="0">
+                <a:effectLst/>
+              </a:rPr>
+              <a:t> Unternehmen benötigt:</a:t>
+            </a:r>
+          </a:p>
+          <a:p>
+            <a:pPr marL="36900" indent="0">
+              <a:buNone/>
+            </a:pPr>
+            <a:r>
+              <a:rPr lang="de-DE" dirty="0" smtClean="0">
+                <a:effectLst/>
+              </a:rPr>
+              <a:t>1. Impressum </a:t>
+            </a:r>
+          </a:p>
+          <a:p>
+            <a:pPr marL="36900" indent="0">
+              <a:buNone/>
+            </a:pPr>
+            <a:r>
+              <a:rPr lang="de-DE" dirty="0" smtClean="0">
+                <a:effectLst/>
+              </a:rPr>
+              <a:t>2. AGB</a:t>
+            </a:r>
+          </a:p>
+          <a:p>
+            <a:pPr marL="36900" indent="0">
+              <a:buNone/>
+            </a:pPr>
+            <a:r>
+              <a:rPr lang="de-DE" dirty="0" smtClean="0">
+                <a:effectLst/>
+              </a:rPr>
+              <a:t>3. Datenschutzerklärung </a:t>
+            </a:r>
+          </a:p>
+          <a:p>
+            <a:pPr marL="36900" indent="0">
+              <a:buNone/>
+            </a:pPr>
+            <a:r>
+              <a:rPr lang="de-DE" dirty="0" smtClean="0">
+                <a:effectLst/>
+              </a:rPr>
+              <a:t>4. Widerrufsrecht</a:t>
+            </a:r>
+            <a:endParaRPr lang="de-DE" dirty="0">
+              <a:effectLst/>
+            </a:endParaRPr>
+          </a:p>
+          <a:p>
+            <a:pPr marL="36900" indent="0">
+              <a:buNone/>
+            </a:pPr>
+            <a:r>
+              <a:rPr lang="de-DE" dirty="0" smtClean="0">
+                <a:effectLst/>
+              </a:rPr>
+              <a:t>5. Weitere </a:t>
+            </a:r>
+            <a:r>
+              <a:rPr lang="de-DE" dirty="0">
+                <a:effectLst/>
+              </a:rPr>
+              <a:t>Verbraucherschutz- &amp; Informationspflichten (</a:t>
+            </a:r>
+            <a:r>
+              <a:rPr lang="de-DE" dirty="0" smtClean="0">
+                <a:effectLst/>
+              </a:rPr>
+              <a:t>Zahlungs- </a:t>
+            </a:r>
+            <a:r>
+              <a:rPr lang="de-DE" dirty="0">
+                <a:effectLst/>
+              </a:rPr>
+              <a:t>und Lieferbedingungen, Zahlungsart, Mehrwertsteuer)</a:t>
+            </a:r>
+          </a:p>
+          <a:p>
+            <a:endParaRPr lang="de-DE" dirty="0">
+              <a:effectLst/>
+            </a:endParaRPr>
+          </a:p>
+        </p:txBody>
+      </p:sp>
+      <p:pic>
+        <p:nvPicPr>
+          <p:cNvPr id="4" name="Grafik 3"/>
+          <p:cNvPicPr>
+            <a:picLocks noChangeAspect="1"/>
+          </p:cNvPicPr>
+          <p:nvPr/>
+        </p:nvPicPr>
+        <p:blipFill>
+          <a:blip r:embed="rId2"/>
+          <a:stretch>
+            <a:fillRect/>
+          </a:stretch>
+        </p:blipFill>
+        <p:spPr>
+          <a:xfrm>
+            <a:off x="1071001" y="5086932"/>
+            <a:ext cx="10039350" cy="676275"/>
+          </a:xfrm>
+          <a:prstGeom prst="rect">
+            <a:avLst/>
+          </a:prstGeom>
+        </p:spPr>
+      </p:pic>
+    </p:spTree>
+    <p:extLst>
+      <p:ext uri="{BB962C8B-B14F-4D97-AF65-F5344CB8AC3E}">
+        <p14:creationId xmlns:p14="http://schemas.microsoft.com/office/powerpoint/2010/main" val="3452746797"/>
+      </p:ext>
+    </p:extLst>
+  </p:cSld>
+  <p:clrMapOvr>
+    <a:masterClrMapping/>
+  </p:clrMapOvr>
+  <p:timing>
+    <p:tnLst>
+      <p:par>
+        <p:cTn id="1" dur="indefinite" restart="never" nodeType="tmRoot"/>
+      </p:par>
+    </p:tnLst>
+  </p:timing>
+</p:sld>
+</file>
+
+<file path=ppt/slides/slide8.xml><?xml version="1.0" encoding="utf-8"?>
+<p:sld xmlns:a="http://schemas.openxmlformats.org/drawingml/2006/main" xmlns:r="http://schemas.openxmlformats.org/officeDocument/2006/relationships" xmlns:p="http://schemas.openxmlformats.org/presentationml/2006/main">
+  <p:cSld>
+    <p:spTree>
+      <p:nvGrpSpPr>
+        <p:cNvPr id="1" name=""/>
+        <p:cNvGrpSpPr/>
+        <p:nvPr/>
+      </p:nvGrpSpPr>
+      <p:grpSpPr>
+        <a:xfrm>
+          <a:off x="0" y="0"/>
+          <a:ext cx="0" cy="0"/>
+          <a:chOff x="0" y="0"/>
+          <a:chExt cx="0" cy="0"/>
+        </a:xfrm>
+      </p:grpSpPr>
+      <p:sp>
+        <p:nvSpPr>
+          <p:cNvPr id="2" name="Titel 1"/>
+          <p:cNvSpPr>
+            <a:spLocks noGrp="1"/>
+          </p:cNvSpPr>
+          <p:nvPr>
+            <p:ph type="title"/>
+          </p:nvPr>
+        </p:nvSpPr>
+        <p:spPr/>
+        <p:txBody>
+          <a:bodyPr>
+            <a:normAutofit fontScale="90000"/>
+          </a:bodyPr>
+          <a:lstStyle/>
+          <a:p>
+            <a:r>
+              <a:rPr lang="de-DE" dirty="0" smtClean="0"/>
+              <a:t>Literaturverzeichnis</a:t>
+            </a:r>
+            <a:br>
+              <a:rPr lang="de-DE" dirty="0" smtClean="0"/>
+            </a:br>
+            <a:endParaRPr lang="de-DE" dirty="0"/>
+          </a:p>
+        </p:txBody>
+      </p:sp>
+      <p:sp>
+        <p:nvSpPr>
+          <p:cNvPr id="3" name="Inhaltsplatzhalter 2"/>
+          <p:cNvSpPr>
+            <a:spLocks noGrp="1"/>
+          </p:cNvSpPr>
+          <p:nvPr>
+            <p:ph idx="1"/>
+          </p:nvPr>
+        </p:nvSpPr>
+        <p:spPr/>
+        <p:txBody>
+          <a:bodyPr/>
+          <a:lstStyle/>
+          <a:p>
+            <a:r>
+              <a:rPr lang="de-DE" dirty="0">
+                <a:effectLst/>
+              </a:rPr>
+              <a:t>https://www.starting-up.de/recht/internetrecht/das-rechtliche-1-mal-1-des-e-commerce.html</a:t>
+            </a:r>
+          </a:p>
+          <a:p>
+            <a:r>
+              <a:rPr lang="de-DE" dirty="0">
+                <a:hlinkClick r:id="rId2"/>
+              </a:rPr>
+              <a:t>https://www.amazon.de</a:t>
+            </a:r>
+            <a:r>
+              <a:rPr lang="de-DE" dirty="0" smtClean="0">
+                <a:hlinkClick r:id="rId2"/>
+              </a:rPr>
+              <a:t>/</a:t>
+            </a:r>
+            <a:endParaRPr lang="de-DE" dirty="0" smtClean="0"/>
+          </a:p>
+          <a:p>
+            <a:r>
+              <a:rPr lang="de-DE" dirty="0">
+                <a:hlinkClick r:id="rId3"/>
+              </a:rPr>
+              <a:t>https://</a:t>
+            </a:r>
+            <a:r>
+              <a:rPr lang="de-DE" dirty="0" smtClean="0">
+                <a:hlinkClick r:id="rId3"/>
+              </a:rPr>
+              <a:t>wirtschaftslexikon.gabler.de/sites/default/files/styles/max_1300x1300/public/graph/extended/e-commerce-34215.png?itok=z5I2PbOg</a:t>
+            </a:r>
+            <a:endParaRPr lang="de-DE" dirty="0" smtClean="0"/>
+          </a:p>
+          <a:p>
+            <a:r>
+              <a:rPr lang="de-DE" dirty="0">
+                <a:hlinkClick r:id="rId4"/>
+              </a:rPr>
+              <a:t>https://www.webspotting.de/e-commerce/welche-gesetze-und-vorgaben-muessen-onlineshops-erfuellen-die-rechtlichen-rahmenbedingungen-im-internet</a:t>
+            </a:r>
+            <a:r>
+              <a:rPr lang="de-DE" dirty="0" smtClean="0">
+                <a:hlinkClick r:id="rId4"/>
+              </a:rPr>
+              <a:t>/</a:t>
+            </a:r>
+            <a:endParaRPr lang="de-DE" dirty="0" smtClean="0"/>
+          </a:p>
+          <a:p>
+            <a:r>
+              <a:rPr lang="de-DE" dirty="0"/>
+              <a:t>https://blog.autoketing.com/wp-content/uploads/2018/07/39.png</a:t>
+            </a:r>
+            <a:endParaRPr lang="de-DE" dirty="0" smtClean="0"/>
+          </a:p>
+          <a:p>
+            <a:endParaRPr lang="de-DE" dirty="0"/>
+          </a:p>
+        </p:txBody>
+      </p:sp>
+    </p:spTree>
+    <p:extLst>
+      <p:ext uri="{BB962C8B-B14F-4D97-AF65-F5344CB8AC3E}">
+        <p14:creationId xmlns:p14="http://schemas.microsoft.com/office/powerpoint/2010/main" val="401530529"/>
+      </p:ext>
+    </p:extLst>
+  </p:cSld>
+  <p:clrMapOvr>
+    <a:masterClrMapping/>
+  </p:clrMapOvr>
+  <p:timing>
+    <p:tnLst>
+      <p:par>
+        <p:cTn id="1" dur="indefinite" restart="never" nodeType="tmRoot"/>
+      </p:par>
+    </p:tnLst>
+  </p:timing>
+</p:sld>
+</file>
+
+<file path=ppt/slides/slide9.xml><?xml version="1.0" encoding="utf-8"?>
+<p:sld xmlns:a="http://schemas.openxmlformats.org/drawingml/2006/main" xmlns:r="http://schemas.openxmlformats.org/officeDocument/2006/relationships" xmlns:p="http://schemas.openxmlformats.org/presentationml/2006/main">
+  <p:cSld>
+    <p:spTree>
+      <p:nvGrpSpPr>
+        <p:cNvPr id="1" name=""/>
+        <p:cNvGrpSpPr/>
+        <p:nvPr/>
+      </p:nvGrpSpPr>
+      <p:grpSpPr>
+        <a:xfrm>
+          <a:off x="0" y="0"/>
+          <a:ext cx="0" cy="0"/>
+          <a:chOff x="0" y="0"/>
+          <a:chExt cx="0" cy="0"/>
+        </a:xfrm>
+      </p:grpSpPr>
+      <p:sp>
+        <p:nvSpPr>
+          <p:cNvPr id="2" name="Titel 1"/>
+          <p:cNvSpPr>
+            <a:spLocks noGrp="1"/>
+          </p:cNvSpPr>
+          <p:nvPr>
+            <p:ph type="title"/>
+          </p:nvPr>
+        </p:nvSpPr>
+        <p:spPr/>
+        <p:txBody>
+          <a:bodyPr/>
+          <a:lstStyle/>
+          <a:p>
+            <a:r>
               <a:rPr lang="de-DE" dirty="0" smtClean="0"/>
               <a:t>Danke fürs Zuhören</a:t>
-            </a:r>
-            <a:endParaRPr lang="de-DE" dirty="0"/>
-          </a:p>
-        </p:txBody>
-      </p:sp>
-      <p:sp>
-        <p:nvSpPr>
-          <p:cNvPr id="3" name="Inhaltsplatzhalter 2"/>
-          <p:cNvSpPr>
-            <a:spLocks noGrp="1"/>
-          </p:cNvSpPr>
-          <p:nvPr>
-            <p:ph idx="1"/>
-          </p:nvPr>
-        </p:nvSpPr>
-        <p:spPr/>
-        <p:txBody>
-          <a:bodyPr/>
-          <a:lstStyle/>
-          <a:p>
-            <a:pPr marL="36900" indent="0">
-              <a:buNone/>
-            </a:pPr>
-            <a:r>
-              <a:rPr lang="de-DE" dirty="0" smtClean="0"/>
-              <a:t>Noch Fragen?</a:t>
-            </a:r>
-          </a:p>
-          <a:p>
-            <a:pPr marL="36900" indent="0">
-              <a:buNone/>
-            </a:pPr>
-            <a:r>
-              <a:rPr lang="de-DE" dirty="0" smtClean="0"/>
-              <a:t>Nein?</a:t>
-            </a:r>
-          </a:p>
-          <a:p>
-            <a:pPr marL="36900" indent="0">
-              <a:buNone/>
-            </a:pPr>
-            <a:r>
-              <a:rPr lang="de-DE" dirty="0" smtClean="0"/>
-              <a:t>Gut Danke und </a:t>
-            </a:r>
-            <a:r>
-              <a:rPr lang="de-DE" dirty="0" err="1" smtClean="0"/>
-              <a:t>Tschö</a:t>
-            </a:r>
-            <a:r>
-              <a:rPr lang="de-DE" dirty="0" smtClean="0"/>
-              <a:t> mit Ö</a:t>
             </a:r>
             <a:endParaRPr lang="de-DE" dirty="0"/>
           </a:p>
